--- a/08-truthful-algorithms/slides.pptx
+++ b/08-truthful-algorithms/slides.pptx
@@ -137,6 +137,11 @@
       </a:defRPr>
     </a:lvl9pPr>
   </p:defaultTextStyle>
+  <p:extLst>
+    <p:ext uri="{EFAFB233-063F-42B5-8137-9DF3F51BA10A}">
+      <p15:sldGuideLst xmlns:p15="http://schemas.microsoft.com/office/powerpoint/2012/main"/>
+    </p:ext>
+  </p:extLst>
 </p:presentation>
 </file>
 
@@ -4583,7 +4588,7 @@
           <a:p>
             <a:fld id="{9541D46A-832C-4F80-9F62-B41DDDCBCD1A}" type="datetimeFigureOut">
               <a:rPr lang="he-IL" smtClean="0"/>
-              <a:t>ו'/אייר/תשפ"ה</a:t>
+              <a:t>י"ג/אייר/תשפ"ה</a:t>
             </a:fld>
             <a:endParaRPr lang="he-IL"/>
           </a:p>
@@ -4782,7 +4787,7 @@
           <a:p>
             <a:fld id="{9541D46A-832C-4F80-9F62-B41DDDCBCD1A}" type="datetimeFigureOut">
               <a:rPr lang="he-IL" smtClean="0"/>
-              <a:t>ו'/אייר/תשפ"ה</a:t>
+              <a:t>י"ג/אייר/תשפ"ה</a:t>
             </a:fld>
             <a:endParaRPr lang="he-IL"/>
           </a:p>
@@ -5057,7 +5062,7 @@
           <a:p>
             <a:fld id="{9541D46A-832C-4F80-9F62-B41DDDCBCD1A}" type="datetimeFigureOut">
               <a:rPr lang="he-IL" smtClean="0"/>
-              <a:t>ו'/אייר/תשפ"ה</a:t>
+              <a:t>י"ג/אייר/תשפ"ה</a:t>
             </a:fld>
             <a:endParaRPr lang="he-IL"/>
           </a:p>
@@ -5324,7 +5329,7 @@
           <a:p>
             <a:fld id="{9541D46A-832C-4F80-9F62-B41DDDCBCD1A}" type="datetimeFigureOut">
               <a:rPr lang="he-IL" smtClean="0"/>
-              <a:t>ו'/אייר/תשפ"ה</a:t>
+              <a:t>י"ג/אייר/תשפ"ה</a:t>
             </a:fld>
             <a:endParaRPr lang="he-IL"/>
           </a:p>
@@ -5738,7 +5743,7 @@
           <a:p>
             <a:fld id="{9541D46A-832C-4F80-9F62-B41DDDCBCD1A}" type="datetimeFigureOut">
               <a:rPr lang="he-IL" smtClean="0"/>
-              <a:t>ו'/אייר/תשפ"ה</a:t>
+              <a:t>י"ג/אייר/תשפ"ה</a:t>
             </a:fld>
             <a:endParaRPr lang="he-IL"/>
           </a:p>
@@ -5879,7 +5884,7 @@
           <a:p>
             <a:fld id="{9541D46A-832C-4F80-9F62-B41DDDCBCD1A}" type="datetimeFigureOut">
               <a:rPr lang="he-IL" smtClean="0"/>
-              <a:t>ו'/אייר/תשפ"ה</a:t>
+              <a:t>י"ג/אייר/תשפ"ה</a:t>
             </a:fld>
             <a:endParaRPr lang="he-IL"/>
           </a:p>
@@ -5991,7 +5996,7 @@
           <a:p>
             <a:fld id="{9541D46A-832C-4F80-9F62-B41DDDCBCD1A}" type="datetimeFigureOut">
               <a:rPr lang="he-IL" smtClean="0"/>
-              <a:t>ו'/אייר/תשפ"ה</a:t>
+              <a:t>י"ג/אייר/תשפ"ה</a:t>
             </a:fld>
             <a:endParaRPr lang="he-IL"/>
           </a:p>
@@ -6303,7 +6308,7 @@
           <a:p>
             <a:fld id="{9541D46A-832C-4F80-9F62-B41DDDCBCD1A}" type="datetimeFigureOut">
               <a:rPr lang="he-IL" smtClean="0"/>
-              <a:t>ו'/אייר/תשפ"ה</a:t>
+              <a:t>י"ג/אייר/תשפ"ה</a:t>
             </a:fld>
             <a:endParaRPr lang="he-IL"/>
           </a:p>
@@ -6789,7 +6794,7 @@
           <a:p>
             <a:fld id="{9541D46A-832C-4F80-9F62-B41DDDCBCD1A}" type="datetimeFigureOut">
               <a:rPr lang="he-IL" smtClean="0"/>
-              <a:t>ו'/אייר/תשפ"ה</a:t>
+              <a:t>י"ג/אייר/תשפ"ה</a:t>
             </a:fld>
             <a:endParaRPr lang="he-IL"/>
           </a:p>
@@ -6988,7 +6993,7 @@
           <a:p>
             <a:fld id="{9541D46A-832C-4F80-9F62-B41DDDCBCD1A}" type="datetimeFigureOut">
               <a:rPr lang="he-IL" smtClean="0"/>
-              <a:t>ו'/אייר/תשפ"ה</a:t>
+              <a:t>י"ג/אייר/תשפ"ה</a:t>
             </a:fld>
             <a:endParaRPr lang="he-IL"/>
           </a:p>
@@ -7197,7 +7202,7 @@
           <a:p>
             <a:fld id="{9541D46A-832C-4F80-9F62-B41DDDCBCD1A}" type="datetimeFigureOut">
               <a:rPr lang="he-IL" smtClean="0"/>
-              <a:t>ו'/אייר/תשפ"ה</a:t>
+              <a:t>י"ג/אייר/תשפ"ה</a:t>
             </a:fld>
             <a:endParaRPr lang="he-IL"/>
           </a:p>
@@ -7418,7 +7423,7 @@
           <a:p>
             <a:fld id="{A57208BD-929E-45E0-BE9A-A4B1924DBEC2}" type="datetimeFigureOut">
               <a:rPr lang="he-IL" smtClean="0"/>
-              <a:t>ו'/אייר/תשפ"ה</a:t>
+              <a:t>י"ג/אייר/תשפ"ה</a:t>
             </a:fld>
             <a:endParaRPr lang="he-IL"/>
           </a:p>
@@ -7617,7 +7622,7 @@
           <a:p>
             <a:fld id="{A57208BD-929E-45E0-BE9A-A4B1924DBEC2}" type="datetimeFigureOut">
               <a:rPr lang="he-IL" smtClean="0"/>
-              <a:t>ו'/אייר/תשפ"ה</a:t>
+              <a:t>י"ג/אייר/תשפ"ה</a:t>
             </a:fld>
             <a:endParaRPr lang="he-IL"/>
           </a:p>
@@ -7892,7 +7897,7 @@
           <a:p>
             <a:fld id="{A57208BD-929E-45E0-BE9A-A4B1924DBEC2}" type="datetimeFigureOut">
               <a:rPr lang="he-IL" smtClean="0"/>
-              <a:t>ו'/אייר/תשפ"ה</a:t>
+              <a:t>י"ג/אייר/תשפ"ה</a:t>
             </a:fld>
             <a:endParaRPr lang="he-IL"/>
           </a:p>
@@ -8159,7 +8164,7 @@
           <a:p>
             <a:fld id="{A57208BD-929E-45E0-BE9A-A4B1924DBEC2}" type="datetimeFigureOut">
               <a:rPr lang="he-IL" smtClean="0"/>
-              <a:t>ו'/אייר/תשפ"ה</a:t>
+              <a:t>י"ג/אייר/תשפ"ה</a:t>
             </a:fld>
             <a:endParaRPr lang="he-IL"/>
           </a:p>
@@ -8573,7 +8578,7 @@
           <a:p>
             <a:fld id="{A57208BD-929E-45E0-BE9A-A4B1924DBEC2}" type="datetimeFigureOut">
               <a:rPr lang="he-IL" smtClean="0"/>
-              <a:t>ו'/אייר/תשפ"ה</a:t>
+              <a:t>י"ג/אייר/תשפ"ה</a:t>
             </a:fld>
             <a:endParaRPr lang="he-IL"/>
           </a:p>
@@ -8714,7 +8719,7 @@
           <a:p>
             <a:fld id="{A57208BD-929E-45E0-BE9A-A4B1924DBEC2}" type="datetimeFigureOut">
               <a:rPr lang="he-IL" smtClean="0"/>
-              <a:t>ו'/אייר/תשפ"ה</a:t>
+              <a:t>י"ג/אייר/תשפ"ה</a:t>
             </a:fld>
             <a:endParaRPr lang="he-IL"/>
           </a:p>
@@ -8826,7 +8831,7 @@
           <a:p>
             <a:fld id="{A57208BD-929E-45E0-BE9A-A4B1924DBEC2}" type="datetimeFigureOut">
               <a:rPr lang="he-IL" smtClean="0"/>
-              <a:t>ו'/אייר/תשפ"ה</a:t>
+              <a:t>י"ג/אייר/תשפ"ה</a:t>
             </a:fld>
             <a:endParaRPr lang="he-IL"/>
           </a:p>
@@ -9412,7 +9417,7 @@
           <a:p>
             <a:fld id="{A57208BD-929E-45E0-BE9A-A4B1924DBEC2}" type="datetimeFigureOut">
               <a:rPr lang="he-IL" smtClean="0"/>
-              <a:t>ו'/אייר/תשפ"ה</a:t>
+              <a:t>י"ג/אייר/תשפ"ה</a:t>
             </a:fld>
             <a:endParaRPr lang="he-IL"/>
           </a:p>
@@ -9700,7 +9705,7 @@
           <a:p>
             <a:fld id="{A57208BD-929E-45E0-BE9A-A4B1924DBEC2}" type="datetimeFigureOut">
               <a:rPr lang="he-IL" smtClean="0"/>
-              <a:t>ו'/אייר/תשפ"ה</a:t>
+              <a:t>י"ג/אייר/תשפ"ה</a:t>
             </a:fld>
             <a:endParaRPr lang="he-IL"/>
           </a:p>
@@ -9899,7 +9904,7 @@
           <a:p>
             <a:fld id="{A57208BD-929E-45E0-BE9A-A4B1924DBEC2}" type="datetimeFigureOut">
               <a:rPr lang="he-IL" smtClean="0"/>
-              <a:t>ו'/אייר/תשפ"ה</a:t>
+              <a:t>י"ג/אייר/תשפ"ה</a:t>
             </a:fld>
             <a:endParaRPr lang="he-IL"/>
           </a:p>
@@ -10108,7 +10113,7 @@
           <a:p>
             <a:fld id="{A57208BD-929E-45E0-BE9A-A4B1924DBEC2}" type="datetimeFigureOut">
               <a:rPr lang="he-IL" smtClean="0"/>
-              <a:t>ו'/אייר/תשפ"ה</a:t>
+              <a:t>י"ג/אייר/תשפ"ה</a:t>
             </a:fld>
             <a:endParaRPr lang="he-IL"/>
           </a:p>
@@ -12464,7 +12469,7 @@
           <a:p>
             <a:fld id="{9541D46A-832C-4F80-9F62-B41DDDCBCD1A}" type="datetimeFigureOut">
               <a:rPr lang="he-IL" smtClean="0"/>
-              <a:t>ו'/אייר/תשפ"ה</a:t>
+              <a:t>י"ג/אייר/תשפ"ה</a:t>
             </a:fld>
             <a:endParaRPr lang="he-IL"/>
           </a:p>
@@ -13028,7 +13033,7 @@
           <a:p>
             <a:fld id="{A57208BD-929E-45E0-BE9A-A4B1924DBEC2}" type="datetimeFigureOut">
               <a:rPr lang="he-IL" smtClean="0"/>
-              <a:t>ו'/אייר/תשפ"ה</a:t>
+              <a:t>י"ג/אייר/תשפ"ה</a:t>
             </a:fld>
             <a:endParaRPr lang="he-IL"/>
           </a:p>
@@ -13519,7 +13524,7 @@
       </p:sp>
       <p:pic>
         <p:nvPicPr>
-          <p:cNvPr id="3" name="">
+          <p:cNvPr id="3" name="Picture 2">
             <a:extLst>
               <a:ext uri="{FF2B5EF4-FFF2-40B4-BE49-F238E27FC236}">
                 <a16:creationId xmlns:a16="http://schemas.microsoft.com/office/drawing/2014/main" id="{B86D8125-7907-310A-9E37-534B175BA64F}"/>
@@ -17374,7 +17379,7 @@
       </p:grpSpPr>
       <p:pic>
         <p:nvPicPr>
-          <p:cNvPr id="2" name="">
+          <p:cNvPr id="2" name="Picture Placeholder 1">
             <a:extLst>
               <a:ext uri="{FF2B5EF4-FFF2-40B4-BE49-F238E27FC236}">
                 <a16:creationId xmlns:a16="http://schemas.microsoft.com/office/drawing/2014/main" id="{F21283AC-DC45-B8BD-E6B8-5E33BCC0B090}"/>
@@ -28111,7 +28116,7 @@
       </p:grpSpPr>
       <p:pic>
         <p:nvPicPr>
-          <p:cNvPr id="3" name="">
+          <p:cNvPr id="3" name="Picture 2">
             <a:extLst>
               <a:ext uri="{FF2B5EF4-FFF2-40B4-BE49-F238E27FC236}">
                 <a16:creationId xmlns:a16="http://schemas.microsoft.com/office/drawing/2014/main" id="{736ABC9C-859C-51D5-6815-1AF19C846F80}"/>
@@ -31674,7 +31679,7 @@
                             </p:stCondLst>
                             <p:childTnLst>
                               <p:par>
-                                <p:cTn id="5" presetClass="entr" fill="hold" grpId="0" nodeType="clickEffect">
+                                <p:cTn id="5" presetID="1" presetClass="entr" presetSubtype="0" fill="hold" grpId="0" nodeType="clickEffect">
                                   <p:stCondLst>
                                     <p:cond delay="0"/>
                                   </p:stCondLst>
@@ -31689,7 +31694,7 @@
                                         <p:tgtEl>
                                           <p:spTgt spid="2">
                                             <p:txEl>
-                                              <p:pRg st="0" end="0"/>
+                                              <p:pRg st="1" end="1"/>
                                             </p:txEl>
                                           </p:spTgt>
                                         </p:tgtEl>
@@ -31723,7 +31728,7 @@
                             </p:stCondLst>
                             <p:childTnLst>
                               <p:par>
-                                <p:cTn id="9" presetClass="entr" fill="hold" grpId="0" nodeType="clickEffect">
+                                <p:cTn id="9" presetID="1" presetClass="entr" presetSubtype="0" fill="hold" grpId="0" nodeType="clickEffect">
                                   <p:stCondLst>
                                     <p:cond delay="0"/>
                                   </p:stCondLst>
@@ -31738,7 +31743,7 @@
                                         <p:tgtEl>
                                           <p:spTgt spid="2">
                                             <p:txEl>
-                                              <p:pRg st="1" end="1"/>
+                                              <p:pRg st="2" end="2"/>
                                             </p:txEl>
                                           </p:spTgt>
                                         </p:tgtEl>
@@ -31772,7 +31777,7 @@
                             </p:stCondLst>
                             <p:childTnLst>
                               <p:par>
-                                <p:cTn id="13" presetClass="entr" fill="hold" grpId="0" nodeType="clickEffect">
+                                <p:cTn id="13" presetID="1" presetClass="entr" presetSubtype="0" fill="hold" grpId="0" nodeType="clickEffect">
                                   <p:stCondLst>
                                     <p:cond delay="0"/>
                                   </p:stCondLst>
@@ -31830,7 +31835,7 @@
       </p:par>
     </p:tnLst>
     <p:bldLst>
-      <p:bldP spid="2" grpId="0" build="p"/>
+      <p:bldP spid="2" grpId="0" uiExpand="1" build="p"/>
     </p:bldLst>
   </p:timing>
 </p:sld>
